--- a/presentation/2-EDA_StepByStepGuide.pptx
+++ b/presentation/2-EDA_StepByStepGuide.pptx
@@ -219,7 +219,7 @@
           <a:p>
             <a:fld id="{6316BED3-B1CA-45DC-A997-8A3AADBF8E19}" type="datetimeFigureOut">
               <a:rPr lang="en-IN" smtClean="0"/>
-              <a:t>12-02-2025</a:t>
+              <a:t>14-02-2025</a:t>
             </a:fld>
             <a:endParaRPr lang="en-IN"/>
           </a:p>
@@ -773,7 +773,7 @@
           <a:p>
             <a:fld id="{5BCAD085-E8A6-8845-BD4E-CB4CCA059FC4}" type="datetimeFigureOut">
               <a:rPr lang="en-US" smtClean="0"/>
-              <a:t>2/12/2025</a:t>
+              <a:t>2/14/2025</a:t>
             </a:fld>
             <a:endParaRPr lang="en-US"/>
           </a:p>
@@ -941,7 +941,7 @@
           <a:p>
             <a:fld id="{5BCAD085-E8A6-8845-BD4E-CB4CCA059FC4}" type="datetimeFigureOut">
               <a:rPr lang="en-US" smtClean="0"/>
-              <a:t>2/12/2025</a:t>
+              <a:t>2/14/2025</a:t>
             </a:fld>
             <a:endParaRPr lang="en-US"/>
           </a:p>
@@ -1119,7 +1119,7 @@
           <a:p>
             <a:fld id="{5BCAD085-E8A6-8845-BD4E-CB4CCA059FC4}" type="datetimeFigureOut">
               <a:rPr lang="en-US" smtClean="0"/>
-              <a:t>2/12/2025</a:t>
+              <a:t>2/14/2025</a:t>
             </a:fld>
             <a:endParaRPr lang="en-US"/>
           </a:p>
@@ -1287,7 +1287,7 @@
           <a:p>
             <a:fld id="{5BCAD085-E8A6-8845-BD4E-CB4CCA059FC4}" type="datetimeFigureOut">
               <a:rPr lang="en-US" smtClean="0"/>
-              <a:t>2/12/2025</a:t>
+              <a:t>2/14/2025</a:t>
             </a:fld>
             <a:endParaRPr lang="en-US"/>
           </a:p>
@@ -1532,7 +1532,7 @@
           <a:p>
             <a:fld id="{5BCAD085-E8A6-8845-BD4E-CB4CCA059FC4}" type="datetimeFigureOut">
               <a:rPr lang="en-US" smtClean="0"/>
-              <a:t>2/12/2025</a:t>
+              <a:t>2/14/2025</a:t>
             </a:fld>
             <a:endParaRPr lang="en-US"/>
           </a:p>
@@ -1817,7 +1817,7 @@
           <a:p>
             <a:fld id="{5BCAD085-E8A6-8845-BD4E-CB4CCA059FC4}" type="datetimeFigureOut">
               <a:rPr lang="en-US" smtClean="0"/>
-              <a:t>2/12/2025</a:t>
+              <a:t>2/14/2025</a:t>
             </a:fld>
             <a:endParaRPr lang="en-US"/>
           </a:p>
@@ -2236,7 +2236,7 @@
           <a:p>
             <a:fld id="{5BCAD085-E8A6-8845-BD4E-CB4CCA059FC4}" type="datetimeFigureOut">
               <a:rPr lang="en-US" smtClean="0"/>
-              <a:t>2/12/2025</a:t>
+              <a:t>2/14/2025</a:t>
             </a:fld>
             <a:endParaRPr lang="en-US"/>
           </a:p>
@@ -2353,7 +2353,7 @@
           <a:p>
             <a:fld id="{5BCAD085-E8A6-8845-BD4E-CB4CCA059FC4}" type="datetimeFigureOut">
               <a:rPr lang="en-US" smtClean="0"/>
-              <a:t>2/12/2025</a:t>
+              <a:t>2/14/2025</a:t>
             </a:fld>
             <a:endParaRPr lang="en-US"/>
           </a:p>
@@ -2448,7 +2448,7 @@
           <a:p>
             <a:fld id="{5BCAD085-E8A6-8845-BD4E-CB4CCA059FC4}" type="datetimeFigureOut">
               <a:rPr lang="en-US" smtClean="0"/>
-              <a:t>2/12/2025</a:t>
+              <a:t>2/14/2025</a:t>
             </a:fld>
             <a:endParaRPr lang="en-US"/>
           </a:p>
@@ -2723,7 +2723,7 @@
           <a:p>
             <a:fld id="{5BCAD085-E8A6-8845-BD4E-CB4CCA059FC4}" type="datetimeFigureOut">
               <a:rPr lang="en-US" smtClean="0"/>
-              <a:t>2/12/2025</a:t>
+              <a:t>2/14/2025</a:t>
             </a:fld>
             <a:endParaRPr lang="en-US"/>
           </a:p>
@@ -2975,7 +2975,7 @@
           <a:p>
             <a:fld id="{5BCAD085-E8A6-8845-BD4E-CB4CCA059FC4}" type="datetimeFigureOut">
               <a:rPr lang="en-US" smtClean="0"/>
-              <a:t>2/12/2025</a:t>
+              <a:t>2/14/2025</a:t>
             </a:fld>
             <a:endParaRPr lang="en-US"/>
           </a:p>
@@ -3186,7 +3186,7 @@
           <a:p>
             <a:fld id="{5BCAD085-E8A6-8845-BD4E-CB4CCA059FC4}" type="datetimeFigureOut">
               <a:rPr lang="en-US" smtClean="0"/>
-              <a:t>2/12/2025</a:t>
+              <a:t>2/14/2025</a:t>
             </a:fld>
             <a:endParaRPr lang="en-US"/>
           </a:p>
@@ -3587,7 +3587,7 @@
             </a:br>
             <a:r>
               <a:rPr lang="en-US" dirty="0"/>
-              <a:t>Step By Step Guide</a:t>
+              <a:t>Step By Step Guide using pandas</a:t>
             </a:r>
             <a:endParaRPr dirty="0"/>
           </a:p>
@@ -4569,31 +4569,64 @@
           <a:lstStyle/>
           <a:p>
             <a:r>
+              <a:rPr dirty="0"/>
               <a:t>Use Pandas to load and explore the dataset.</a:t>
             </a:r>
           </a:p>
           <a:p>
-            <a:endParaRPr/>
-          </a:p>
-          <a:p>
-            <a:r>
+            <a:r>
+              <a:rPr lang="en-IN" dirty="0"/>
+              <a:t>https://www.listendata.com/2017/12/python-pandas-tutorial.html</a:t>
+            </a:r>
+            <a:endParaRPr dirty="0"/>
+          </a:p>
+          <a:p>
+            <a:r>
+              <a:rPr dirty="0"/>
               <a:t>Example:</a:t>
             </a:r>
           </a:p>
           <a:p>
             <a:r>
+              <a:rPr dirty="0"/>
               <a:t>import pandas as pd</a:t>
             </a:r>
           </a:p>
           <a:p>
             <a:r>
-              <a:t>df = pd.read_csv('data.csv')</a:t>
-            </a:r>
-          </a:p>
-          <a:p>
-            <a:r>
-              <a:t>print(df.head())</a:t>
-            </a:r>
+              <a:rPr dirty="0" err="1"/>
+              <a:t>df</a:t>
+            </a:r>
+            <a:r>
+              <a:rPr dirty="0"/>
+              <a:t> = </a:t>
+            </a:r>
+            <a:r>
+              <a:rPr dirty="0" err="1"/>
+              <a:t>pd.read_csv</a:t>
+            </a:r>
+            <a:r>
+              <a:rPr dirty="0"/>
+              <a:t>('data.csv')</a:t>
+            </a:r>
+          </a:p>
+          <a:p>
+            <a:r>
+              <a:rPr dirty="0"/>
+              <a:t>print(</a:t>
+            </a:r>
+            <a:r>
+              <a:rPr dirty="0" err="1"/>
+              <a:t>df.head</a:t>
+            </a:r>
+            <a:r>
+              <a:rPr dirty="0"/>
+              <a:t>())</a:t>
+            </a:r>
+            <a:endParaRPr lang="en-US" dirty="0"/>
+          </a:p>
+          <a:p>
+            <a:endParaRPr dirty="0"/>
           </a:p>
         </p:txBody>
       </p:sp>
